--- a/Lets-Learn-Python.pptx
+++ b/Lets-Learn-Python.pptx
@@ -11,6 +11,7 @@
     <p:sldId id="260" r:id="rId5"/>
     <p:sldId id="259" r:id="rId6"/>
     <p:sldId id="261" r:id="rId7"/>
+    <p:sldId id="262" r:id="rId8"/>
   </p:sldIdLst>
   <p:sldSz cx="9144000" cy="6858000" type="screen4x3"/>
   <p:notesSz cx="6858000" cy="9144000"/>
@@ -111,7 +112,7 @@
   </p:defaultTextStyle>
   <p:extLst>
     <p:ext uri="{EFAFB233-063F-42B5-8137-9DF3F51BA10A}">
-      <p15:sldGuideLst xmlns:p15="http://schemas.microsoft.com/office/powerpoint/2012/main" xmlns="">
+      <p15:sldGuideLst xmlns:p15="http://schemas.microsoft.com/office/powerpoint/2012/main">
         <p15:guide id="1" orient="horz" pos="2160">
           <p15:clr>
             <a:srgbClr val="A4A3A4"/>
@@ -315,7 +316,7 @@
           <a:p>
             <a:fld id="{C4A58E90-E944-48A2-BF63-8150527A6272}" type="datetimeFigureOut">
               <a:rPr lang="en-US" smtClean="0"/>
-              <a:t>3/9/2022</a:t>
+              <a:t>3/19/2022</a:t>
             </a:fld>
             <a:endParaRPr lang="en-US"/>
           </a:p>
@@ -480,7 +481,7 @@
           <a:p>
             <a:fld id="{C4A58E90-E944-48A2-BF63-8150527A6272}" type="datetimeFigureOut">
               <a:rPr lang="en-US" smtClean="0"/>
-              <a:t>3/9/2022</a:t>
+              <a:t>3/19/2022</a:t>
             </a:fld>
             <a:endParaRPr lang="en-US"/>
           </a:p>
@@ -655,7 +656,7 @@
           <a:p>
             <a:fld id="{C4A58E90-E944-48A2-BF63-8150527A6272}" type="datetimeFigureOut">
               <a:rPr lang="en-US" smtClean="0"/>
-              <a:t>3/9/2022</a:t>
+              <a:t>3/19/2022</a:t>
             </a:fld>
             <a:endParaRPr lang="en-US"/>
           </a:p>
@@ -820,7 +821,7 @@
           <a:p>
             <a:fld id="{C4A58E90-E944-48A2-BF63-8150527A6272}" type="datetimeFigureOut">
               <a:rPr lang="en-US" smtClean="0"/>
-              <a:t>3/9/2022</a:t>
+              <a:t>3/19/2022</a:t>
             </a:fld>
             <a:endParaRPr lang="en-US"/>
           </a:p>
@@ -1059,7 +1060,7 @@
           <a:p>
             <a:fld id="{C4A58E90-E944-48A2-BF63-8150527A6272}" type="datetimeFigureOut">
               <a:rPr lang="en-US" smtClean="0"/>
-              <a:t>3/9/2022</a:t>
+              <a:t>3/19/2022</a:t>
             </a:fld>
             <a:endParaRPr lang="en-US"/>
           </a:p>
@@ -1149,7 +1150,7 @@
           <a:p>
             <a:fld id="{C4A58E90-E944-48A2-BF63-8150527A6272}" type="datetimeFigureOut">
               <a:rPr lang="en-US" smtClean="0"/>
-              <a:t>3/9/2022</a:t>
+              <a:t>3/19/2022</a:t>
             </a:fld>
             <a:endParaRPr lang="en-US"/>
           </a:p>
@@ -1523,7 +1524,7 @@
           <a:p>
             <a:fld id="{C4A58E90-E944-48A2-BF63-8150527A6272}" type="datetimeFigureOut">
               <a:rPr lang="en-US" smtClean="0"/>
-              <a:t>3/9/2022</a:t>
+              <a:t>3/19/2022</a:t>
             </a:fld>
             <a:endParaRPr lang="en-US"/>
           </a:p>
@@ -1778,7 +1779,7 @@
           <a:p>
             <a:fld id="{C4A58E90-E944-48A2-BF63-8150527A6272}" type="datetimeFigureOut">
               <a:rPr lang="en-US" smtClean="0"/>
-              <a:t>3/9/2022</a:t>
+              <a:t>3/19/2022</a:t>
             </a:fld>
             <a:endParaRPr lang="en-US"/>
           </a:p>
@@ -1868,7 +1869,7 @@
           <a:p>
             <a:fld id="{C4A58E90-E944-48A2-BF63-8150527A6272}" type="datetimeFigureOut">
               <a:rPr lang="en-US" smtClean="0"/>
-              <a:t>3/9/2022</a:t>
+              <a:t>3/19/2022</a:t>
             </a:fld>
             <a:endParaRPr lang="en-US"/>
           </a:p>
@@ -2142,7 +2143,7 @@
           <a:p>
             <a:fld id="{C4A58E90-E944-48A2-BF63-8150527A6272}" type="datetimeFigureOut">
               <a:rPr lang="en-US" smtClean="0"/>
-              <a:t>3/9/2022</a:t>
+              <a:t>3/19/2022</a:t>
             </a:fld>
             <a:endParaRPr lang="en-US"/>
           </a:p>
@@ -2414,7 +2415,7 @@
           <a:p>
             <a:fld id="{C4A58E90-E944-48A2-BF63-8150527A6272}" type="datetimeFigureOut">
               <a:rPr lang="en-US" smtClean="0"/>
-              <a:t>3/9/2022</a:t>
+              <a:t>3/19/2022</a:t>
             </a:fld>
             <a:endParaRPr lang="en-US"/>
           </a:p>
@@ -2714,7 +2715,7 @@
           <a:p>
             <a:fld id="{C4A58E90-E944-48A2-BF63-8150527A6272}" type="datetimeFigureOut">
               <a:rPr lang="en-US" smtClean="0"/>
-              <a:t>3/9/2022</a:t>
+              <a:t>3/19/2022</a:t>
             </a:fld>
             <a:endParaRPr lang="en-US"/>
           </a:p>
@@ -4971,7 +4972,17 @@
             </a:br>
             <a:r>
               <a:rPr lang="bg-BG" dirty="0"/>
-              <a:t>А сега – към сайта!</a:t>
+              <a:t>А сега – към </a:t>
+            </a:r>
+            <a:r>
+              <a:rPr lang="bg-BG" dirty="0">
+                <a:hlinkClick r:id="rId2"/>
+              </a:rPr>
+              <a:t>сайта</a:t>
+            </a:r>
+            <a:r>
+              <a:rPr lang="bg-BG" dirty="0"/>
+              <a:t>!</a:t>
             </a:r>
             <a:endParaRPr lang="en-US" dirty="0"/>
           </a:p>
@@ -4981,6 +4992,79 @@
     <p:extLst>
       <p:ext uri="{BB962C8B-B14F-4D97-AF65-F5344CB8AC3E}">
         <p14:creationId xmlns:p14="http://schemas.microsoft.com/office/powerpoint/2010/main" val="2090180524"/>
+      </p:ext>
+    </p:extLst>
+  </p:cSld>
+  <p:clrMapOvr>
+    <a:masterClrMapping/>
+  </p:clrMapOvr>
+  <p:timing>
+    <p:tnLst>
+      <p:par>
+        <p:cTn id="1" dur="indefinite" restart="never" nodeType="tmRoot"/>
+      </p:par>
+    </p:tnLst>
+  </p:timing>
+</p:sld>
+</file>
+
+<file path=ppt/slides/slide7.xml><?xml version="1.0" encoding="utf-8"?>
+<p:sld xmlns:a="http://schemas.openxmlformats.org/drawingml/2006/main" xmlns:r="http://schemas.openxmlformats.org/officeDocument/2006/relationships" xmlns:p="http://schemas.openxmlformats.org/presentationml/2006/main">
+  <p:cSld>
+    <p:spTree>
+      <p:nvGrpSpPr>
+        <p:cNvPr id="1" name=""/>
+        <p:cNvGrpSpPr/>
+        <p:nvPr/>
+      </p:nvGrpSpPr>
+      <p:grpSpPr>
+        <a:xfrm>
+          <a:off x="0" y="0"/>
+          <a:ext cx="0" cy="0"/>
+          <a:chOff x="0" y="0"/>
+          <a:chExt cx="0" cy="0"/>
+        </a:xfrm>
+      </p:grpSpPr>
+      <p:sp>
+        <p:nvSpPr>
+          <p:cNvPr id="4" name="Content Placeholder 2"/>
+          <p:cNvSpPr>
+            <a:spLocks noGrp="1"/>
+          </p:cNvSpPr>
+          <p:nvPr>
+            <p:ph type="title"/>
+          </p:nvPr>
+        </p:nvSpPr>
+        <p:spPr>
+          <a:xfrm>
+            <a:off x="1259632" y="3212976"/>
+            <a:ext cx="7315200" cy="1154113"/>
+          </a:xfrm>
+        </p:spPr>
+        <p:txBody>
+          <a:bodyPr/>
+          <a:lstStyle/>
+          <a:p>
+            <a:r>
+              <a:rPr lang="en-US" dirty="0">
+                <a:hlinkClick r:id="rId2"/>
+              </a:rPr>
+              <a:t>https</a:t>
+            </a:r>
+            <a:r>
+              <a:rPr lang="en-US" dirty="0" smtClean="0">
+                <a:hlinkClick r:id="rId2"/>
+              </a:rPr>
+              <a:t>://letslearnpython.loca.lt</a:t>
+            </a:r>
+            <a:endParaRPr lang="en-US" dirty="0"/>
+          </a:p>
+        </p:txBody>
+      </p:sp>
+    </p:spTree>
+    <p:extLst>
+      <p:ext uri="{BB962C8B-B14F-4D97-AF65-F5344CB8AC3E}">
+        <p14:creationId xmlns:p14="http://schemas.microsoft.com/office/powerpoint/2010/main" val="407020240"/>
       </p:ext>
     </p:extLst>
   </p:cSld>
